--- a/trunk/Презентация1.pptx
+++ b/trunk/Презентация1.pptx
@@ -5,7 +5,7 @@
     <p:sldMasterId id="2147483660" r:id="rId1"/>
   </p:sldMasterIdLst>
   <p:notesMasterIdLst>
-    <p:notesMasterId r:id="rId19"/>
+    <p:notesMasterId r:id="rId20"/>
   </p:notesMasterIdLst>
   <p:sldIdLst>
     <p:sldId id="256" r:id="rId2"/>
@@ -22,9 +22,10 @@
     <p:sldId id="277" r:id="rId13"/>
     <p:sldId id="280" r:id="rId14"/>
     <p:sldId id="289" r:id="rId15"/>
-    <p:sldId id="282" r:id="rId16"/>
-    <p:sldId id="283" r:id="rId17"/>
-    <p:sldId id="286" r:id="rId18"/>
+    <p:sldId id="291" r:id="rId16"/>
+    <p:sldId id="282" r:id="rId17"/>
+    <p:sldId id="283" r:id="rId18"/>
+    <p:sldId id="286" r:id="rId19"/>
   </p:sldIdLst>
   <p:sldSz cx="9144000" cy="6858000" type="screen4x3"/>
   <p:notesSz cx="6858000" cy="9144000"/>
@@ -126,6 +127,117 @@
 </p:presentation>
 </file>
 
+<file path=ppt/charts/chart1.xml><?xml version="1.0" encoding="utf-8"?>
+<c:chartSpace xmlns:c="http://schemas.openxmlformats.org/drawingml/2006/chart" xmlns:a="http://schemas.openxmlformats.org/drawingml/2006/main" xmlns:r="http://schemas.openxmlformats.org/officeDocument/2006/relationships">
+  <c:date1904 val="1"/>
+  <c:lang val="ru-RU"/>
+  <c:chart>
+    <c:plotArea>
+      <c:layout/>
+      <c:lineChart>
+        <c:grouping val="standard"/>
+        <c:ser>
+          <c:idx val="1"/>
+          <c:order val="1"/>
+          <c:cat>
+            <c:multiLvlStrRef>
+              <c:f>Лист1!$B$3:$B$11</c:f>
+            </c:multiLvlStrRef>
+          </c:cat>
+          <c:val>
+            <c:numRef>
+              <c:f>Лист1!$H$3:$H$11</c:f>
+            </c:numRef>
+          </c:val>
+        </c:ser>
+        <c:ser>
+          <c:idx val="0"/>
+          <c:order val="0"/>
+          <c:cat>
+            <c:strRef>
+              <c:f>'[Эк-кая часть.xlsx]Лист1'!$B$3:$B$7</c:f>
+              <c:strCache>
+                <c:ptCount val="5"/>
+                <c:pt idx="0">
+                  <c:v>Февраль</c:v>
+                </c:pt>
+                <c:pt idx="1">
+                  <c:v>Март</c:v>
+                </c:pt>
+                <c:pt idx="2">
+                  <c:v>Апрель</c:v>
+                </c:pt>
+                <c:pt idx="3">
+                  <c:v>Май</c:v>
+                </c:pt>
+                <c:pt idx="4">
+                  <c:v>Июнь</c:v>
+                </c:pt>
+              </c:strCache>
+            </c:strRef>
+          </c:cat>
+          <c:val>
+            <c:numRef>
+              <c:f>'[Эк-кая часть.xlsx]Лист1'!$H$3:$H$7</c:f>
+              <c:numCache>
+                <c:formatCode>General</c:formatCode>
+                <c:ptCount val="5"/>
+                <c:pt idx="0">
+                  <c:v>-26880.198019801956</c:v>
+                </c:pt>
+                <c:pt idx="1">
+                  <c:v>-54671.591020488187</c:v>
+                </c:pt>
+                <c:pt idx="2">
+                  <c:v>-89691.45414786553</c:v>
+                </c:pt>
+                <c:pt idx="3">
+                  <c:v>-116406.70772448837</c:v>
+                </c:pt>
+                <c:pt idx="4">
+                  <c:v>30796.451736527517</c:v>
+                </c:pt>
+              </c:numCache>
+            </c:numRef>
+          </c:val>
+        </c:ser>
+        <c:marker val="1"/>
+        <c:axId val="52652672"/>
+        <c:axId val="52685824"/>
+      </c:lineChart>
+      <c:catAx>
+        <c:axId val="52652672"/>
+        <c:scaling>
+          <c:orientation val="minMax"/>
+        </c:scaling>
+        <c:axPos val="b"/>
+        <c:tickLblPos val="nextTo"/>
+        <c:crossAx val="52685824"/>
+        <c:crosses val="autoZero"/>
+        <c:auto val="1"/>
+        <c:lblAlgn val="ctr"/>
+        <c:lblOffset val="100"/>
+      </c:catAx>
+      <c:valAx>
+        <c:axId val="52685824"/>
+        <c:scaling>
+          <c:orientation val="minMax"/>
+        </c:scaling>
+        <c:axPos val="l"/>
+        <c:majorGridlines/>
+        <c:numFmt formatCode="General" sourceLinked="1"/>
+        <c:tickLblPos val="nextTo"/>
+        <c:crossAx val="52652672"/>
+        <c:crosses val="autoZero"/>
+        <c:crossBetween val="between"/>
+      </c:valAx>
+    </c:plotArea>
+    <c:plotVisOnly val="1"/>
+  </c:chart>
+  <c:externalData r:id="rId1"/>
+</c:chartSpace>
+</file>
+
 <file path=ppt/notesMasters/notesMaster1.xml><?xml version="1.0" encoding="utf-8"?>
 <p:notesMaster xmlns:a="http://schemas.openxmlformats.org/drawingml/2006/main" xmlns:r="http://schemas.openxmlformats.org/officeDocument/2006/relationships" xmlns:p="http://schemas.openxmlformats.org/presentationml/2006/main">
   <p:cSld>
@@ -208,6 +320,7 @@
           <a:p>
             <a:fld id="{7ABFE482-DCCA-48D0-9502-A09C619BD3E1}" type="datetimeFigureOut">
               <a:rPr lang="ru-RU" smtClean="0"/>
+              <a:pPr/>
               <a:t>22.06.2009</a:t>
             </a:fld>
             <a:endParaRPr lang="ru-RU"/>
@@ -369,6 +482,7 @@
           <a:p>
             <a:fld id="{71DC9CAB-841B-4981-80B3-17E45FC0D3EF}" type="slidenum">
               <a:rPr lang="ru-RU" smtClean="0"/>
+              <a:pPr/>
               <a:t>‹#›</a:t>
             </a:fld>
             <a:endParaRPr lang="ru-RU"/>
@@ -577,6 +691,7 @@
           <a:p>
             <a:fld id="{50A93AE5-7AFF-48DD-AF41-49202545C2A6}" type="datetime1">
               <a:rPr lang="ru-RU" smtClean="0"/>
+              <a:pPr/>
               <a:t>22.06.2009</a:t>
             </a:fld>
             <a:endParaRPr lang="ru-RU"/>
@@ -864,6 +979,7 @@
           <a:p>
             <a:fld id="{877E6CB2-7870-4C32-A7CC-A8CD3EFEECCF}" type="datetime1">
               <a:rPr lang="ru-RU" smtClean="0"/>
+              <a:pPr/>
               <a:t>22.06.2009</a:t>
             </a:fld>
             <a:endParaRPr lang="ru-RU"/>
@@ -1052,6 +1168,7 @@
           <a:p>
             <a:fld id="{DAA03A2E-8AA7-48AE-B3EB-0F3B0003F4FA}" type="datetime1">
               <a:rPr lang="ru-RU" smtClean="0"/>
+              <a:pPr/>
               <a:t>22.06.2009</a:t>
             </a:fld>
             <a:endParaRPr lang="ru-RU"/>
@@ -1230,6 +1347,7 @@
           <a:p>
             <a:fld id="{038A18CB-E92D-4F41-B895-E448CC8FA778}" type="datetime1">
               <a:rPr lang="ru-RU" smtClean="0"/>
+              <a:pPr/>
               <a:t>22.06.2009</a:t>
             </a:fld>
             <a:endParaRPr lang="ru-RU"/>
@@ -1430,6 +1548,7 @@
           <a:p>
             <a:fld id="{42C77490-22F6-43D8-AE2F-6C9DABFB0633}" type="datetime1">
               <a:rPr lang="ru-RU" smtClean="0"/>
+              <a:pPr/>
               <a:t>22.06.2009</a:t>
             </a:fld>
             <a:endParaRPr lang="ru-RU"/>
@@ -1726,6 +1845,7 @@
           <a:p>
             <a:fld id="{17F9FB40-2AA7-4E65-A882-4B6251C3B9C1}" type="datetime1">
               <a:rPr lang="ru-RU" smtClean="0"/>
+              <a:pPr/>
               <a:t>22.06.2009</a:t>
             </a:fld>
             <a:endParaRPr lang="ru-RU"/>
@@ -2161,6 +2281,7 @@
           <a:p>
             <a:fld id="{D253E5E4-F4C1-484D-B676-5094573F92D3}" type="datetime1">
               <a:rPr lang="ru-RU" smtClean="0"/>
+              <a:pPr/>
               <a:t>22.06.2009</a:t>
             </a:fld>
             <a:endParaRPr lang="ru-RU"/>
@@ -2287,6 +2408,7 @@
           <a:p>
             <a:fld id="{87EF81EF-6A9F-438D-8C5B-8764E61F5BFE}" type="datetime1">
               <a:rPr lang="ru-RU" smtClean="0"/>
+              <a:pPr/>
               <a:t>22.06.2009</a:t>
             </a:fld>
             <a:endParaRPr lang="ru-RU"/>
@@ -2390,6 +2512,7 @@
           <a:p>
             <a:fld id="{0FAD9C1B-E554-4B3D-9C1D-EAF1B4050AF7}" type="datetime1">
               <a:rPr lang="ru-RU" smtClean="0"/>
+              <a:pPr/>
               <a:t>22.06.2009</a:t>
             </a:fld>
             <a:endParaRPr lang="ru-RU"/>
@@ -2675,6 +2798,7 @@
           <a:p>
             <a:fld id="{FCD564C5-4EC2-4E61-B909-CF061360AECC}" type="datetime1">
               <a:rPr lang="ru-RU" smtClean="0"/>
+              <a:pPr/>
               <a:t>22.06.2009</a:t>
             </a:fld>
             <a:endParaRPr lang="ru-RU"/>
@@ -2940,6 +3064,7 @@
           <a:p>
             <a:fld id="{8CB44F63-A21A-4DAB-BCCD-8F84A6B4529A}" type="datetime1">
               <a:rPr lang="ru-RU" smtClean="0"/>
+              <a:pPr/>
               <a:t>22.06.2009</a:t>
             </a:fld>
             <a:endParaRPr lang="ru-RU"/>
@@ -3187,6 +3312,7 @@
           <a:p>
             <a:fld id="{7E1021CF-598E-48B6-A63E-82B43E9AAB1E}" type="datetime1">
               <a:rPr lang="ru-RU" smtClean="0"/>
+              <a:pPr/>
               <a:t>22.06.2009</a:t>
             </a:fld>
             <a:endParaRPr lang="ru-RU"/>
@@ -4069,7 +4195,11 @@
           <a:p>
             <a:r>
               <a:rPr lang="ru-RU" sz="3600" dirty="0" smtClean="0"/>
-              <a:t>Функциональные требования к программному продукту</a:t>
+              <a:t>Функциональные требования к </a:t>
+            </a:r>
+            <a:r>
+              <a:rPr lang="ru-RU" sz="3600" dirty="0" smtClean="0"/>
+              <a:t>демонстрационному приложению</a:t>
             </a:r>
             <a:endParaRPr lang="ru-RU" sz="3600" dirty="0"/>
           </a:p>
@@ -10519,23 +10649,7 @@
           <a:p>
             <a:r>
               <a:rPr lang="ru-RU" sz="3200" dirty="0" smtClean="0"/>
-              <a:t>Результаты </a:t>
-            </a:r>
-            <a:r>
-              <a:rPr lang="ru-RU" sz="3200" dirty="0" smtClean="0"/>
-              <a:t>сравнения работы</a:t>
-            </a:r>
-            <a:r>
-              <a:rPr lang="ru-RU" sz="3200" dirty="0" smtClean="0"/>
-              <a:t> исходного </a:t>
-            </a:r>
-            <a:r>
-              <a:rPr lang="ru-RU" sz="3200" dirty="0" smtClean="0"/>
-              <a:t>автомата и результирующей </a:t>
-            </a:r>
-            <a:r>
-              <a:rPr lang="ru-RU" sz="3200" dirty="0" smtClean="0"/>
-              <a:t>сети.</a:t>
+              <a:t>Результаты сравнения работы исходного автомата и результирующей сети.</a:t>
             </a:r>
             <a:endParaRPr lang="ru-RU" sz="3200" dirty="0"/>
           </a:p>
@@ -10633,19 +10747,17 @@
           </a:bodyPr>
           <a:lstStyle/>
           <a:p>
+            <a:pPr algn="just"/>
             <a:r>
               <a:rPr lang="ru-RU" sz="1600" dirty="0" smtClean="0"/>
               <a:t>Распределения по множеству состояний, полученной в результате</a:t>
             </a:r>
           </a:p>
           <a:p>
+            <a:pPr algn="just"/>
             <a:r>
               <a:rPr lang="ru-RU" sz="1600" dirty="0" smtClean="0"/>
-              <a:t>декомпозиции сети и исходного </a:t>
-            </a:r>
-            <a:r>
-              <a:rPr lang="ru-RU" sz="1600" dirty="0" smtClean="0"/>
-              <a:t>автомата</a:t>
+              <a:t>декомпозиции сети и исходного автомата</a:t>
             </a:r>
           </a:p>
           <a:p>
@@ -10705,7 +10817,7 @@
       </p:grpSpPr>
       <p:sp>
         <p:nvSpPr>
-          <p:cNvPr id="2" name="Заголовок 1"/>
+          <p:cNvPr id="2" name="Title 1"/>
           <p:cNvSpPr>
             <a:spLocks noGrp="1"/>
           </p:cNvSpPr>
@@ -10720,7 +10832,7 @@
           <a:p>
             <a:r>
               <a:rPr lang="ru-RU" dirty="0" smtClean="0"/>
-              <a:t>Заключение</a:t>
+              <a:t>Экономическая эффективность</a:t>
             </a:r>
             <a:endParaRPr lang="ru-RU" dirty="0"/>
           </a:p>
@@ -10728,7 +10840,7 @@
       </p:sp>
       <p:sp>
         <p:nvSpPr>
-          <p:cNvPr id="3" name="Содержимое 2"/>
+          <p:cNvPr id="3" name="Content Placeholder 2"/>
           <p:cNvSpPr>
             <a:spLocks noGrp="1"/>
           </p:cNvSpPr>
@@ -10738,89 +10850,97 @@
         </p:nvSpPr>
         <p:spPr>
           <a:xfrm>
-            <a:off x="457200" y="928670"/>
-            <a:ext cx="8401080" cy="5197493"/>
+            <a:off x="457200" y="1142984"/>
+            <a:ext cx="8229600" cy="4987942"/>
           </a:xfrm>
         </p:spPr>
         <p:txBody>
-          <a:bodyPr>
-            <a:normAutofit/>
-          </a:bodyPr>
+          <a:bodyPr/>
           <a:lstStyle/>
           <a:p>
-            <a:pPr>
+            <a:pPr algn="ctr">
               <a:buNone/>
             </a:pPr>
             <a:r>
-              <a:rPr lang="ru-RU" sz="2400" dirty="0" smtClean="0"/>
-              <a:t>		В результате выполнения квалификационной работы был модифицирован и реализован алгоритм декомпозиции конечных вероятностных автоматов.</a:t>
-            </a:r>
-          </a:p>
-          <a:p>
-            <a:r>
-              <a:rPr lang="ru-RU" sz="2400" dirty="0" smtClean="0"/>
-              <a:t>Для демонстрации работы данного алгоритма было разработано </a:t>
-            </a:r>
-            <a:r>
-              <a:rPr lang="en-US" sz="2400" dirty="0" smtClean="0"/>
-              <a:t>Windows</a:t>
-            </a:r>
-            <a:r>
-              <a:rPr lang="ru-RU" sz="2400" dirty="0" smtClean="0"/>
-              <a:t>-приложение, позволяющее:</a:t>
-            </a:r>
-          </a:p>
-          <a:p>
-            <a:pPr lvl="0"/>
-            <a:r>
-              <a:rPr lang="ru-RU" sz="2400" dirty="0" smtClean="0"/>
-              <a:t>инициализировать исходный вероятностный автомат;</a:t>
-            </a:r>
-          </a:p>
-          <a:p>
-            <a:pPr lvl="0"/>
-            <a:r>
-              <a:rPr lang="ru-RU" sz="2400" dirty="0" smtClean="0"/>
-              <a:t>производить декомпозицию заданного автомата;</a:t>
-            </a:r>
-          </a:p>
-          <a:p>
-            <a:pPr lvl="0"/>
-            <a:r>
-              <a:rPr lang="ru-RU" sz="2400" dirty="0" smtClean="0"/>
-              <a:t>моделировать работу, как самого автомата, так и сети, полученной в результате декомпозиции;</a:t>
-            </a:r>
-          </a:p>
-          <a:p>
-            <a:pPr lvl="0"/>
-            <a:r>
-              <a:rPr lang="ru-RU" sz="2400" dirty="0" smtClean="0"/>
-              <a:t>производить импорт и экспорт вероятностного автомата и результирующей сети в формате </a:t>
-            </a:r>
-            <a:r>
-              <a:rPr lang="en-US" sz="2400" dirty="0" smtClean="0"/>
-              <a:t>XML</a:t>
-            </a:r>
-            <a:r>
-              <a:rPr lang="ru-RU" sz="2400" dirty="0" smtClean="0"/>
-              <a:t>.</a:t>
-            </a:r>
-          </a:p>
-          <a:p>
-            <a:pPr lvl="0">
+              <a:rPr lang="ru-RU" sz="2000" dirty="0" smtClean="0"/>
+              <a:t>График чистого дисконтированного дохода</a:t>
+            </a:r>
+          </a:p>
+          <a:p>
+            <a:pPr algn="ctr">
               <a:buNone/>
             </a:pPr>
-            <a:r>
-              <a:rPr lang="ru-RU" sz="2400" dirty="0" smtClean="0"/>
-              <a:t>Таким образом, решены основные поставленные задачи.</a:t>
-            </a:r>
-            <a:endParaRPr lang="ru-RU" sz="2400" dirty="0" smtClean="0"/>
+            <a:endParaRPr lang="ru-RU" sz="2000" dirty="0" smtClean="0"/>
+          </a:p>
+          <a:p>
+            <a:pPr algn="ctr">
+              <a:buNone/>
+            </a:pPr>
+            <a:endParaRPr lang="ru-RU" sz="2000" dirty="0" smtClean="0"/>
+          </a:p>
+          <a:p>
+            <a:pPr algn="ctr">
+              <a:buNone/>
+            </a:pPr>
+            <a:endParaRPr lang="ru-RU" sz="2000" dirty="0" smtClean="0"/>
+          </a:p>
+          <a:p>
+            <a:pPr algn="ctr">
+              <a:buNone/>
+            </a:pPr>
+            <a:endParaRPr lang="ru-RU" sz="2000" dirty="0" smtClean="0"/>
+          </a:p>
+          <a:p>
+            <a:pPr algn="ctr">
+              <a:buNone/>
+            </a:pPr>
+            <a:endParaRPr lang="ru-RU" sz="2000" dirty="0" smtClean="0"/>
+          </a:p>
+          <a:p>
+            <a:pPr algn="ctr">
+              <a:buNone/>
+            </a:pPr>
+            <a:endParaRPr lang="ru-RU" sz="2000" dirty="0" smtClean="0"/>
+          </a:p>
+          <a:p>
+            <a:pPr algn="ctr">
+              <a:buNone/>
+            </a:pPr>
+            <a:endParaRPr lang="ru-RU" sz="2000" dirty="0" smtClean="0"/>
+          </a:p>
+          <a:p>
+            <a:pPr algn="ctr">
+              <a:buNone/>
+            </a:pPr>
+            <a:endParaRPr lang="ru-RU" sz="2000" dirty="0" smtClean="0"/>
+          </a:p>
+          <a:p>
+            <a:pPr algn="ctr">
+              <a:buNone/>
+            </a:pPr>
+            <a:endParaRPr lang="ru-RU" sz="2000" dirty="0" smtClean="0"/>
+          </a:p>
+          <a:p>
+            <a:pPr algn="ctr">
+              <a:buNone/>
+            </a:pPr>
+            <a:endParaRPr lang="ru-RU" sz="2000" dirty="0" smtClean="0"/>
+          </a:p>
+          <a:p>
+            <a:pPr algn="ctr">
+              <a:buNone/>
+            </a:pPr>
+            <a:r>
+              <a:rPr lang="ru-RU" sz="2000" dirty="0" smtClean="0"/>
+              <a:t>Срок окупаемости составляет 5 месяцев</a:t>
+            </a:r>
+            <a:endParaRPr lang="ru-RU" sz="2000" dirty="0"/>
           </a:p>
         </p:txBody>
       </p:sp>
       <p:sp>
         <p:nvSpPr>
-          <p:cNvPr id="4" name="Номер слайда 3"/>
+          <p:cNvPr id="4" name="Slide Number Placeholder 3"/>
           <p:cNvSpPr>
             <a:spLocks noGrp="1"/>
           </p:cNvSpPr>
@@ -10842,18 +10962,27 @@
           </a:p>
         </p:txBody>
       </p:sp>
+      <p:graphicFrame>
+        <p:nvGraphicFramePr>
+          <p:cNvPr id="5" name="Диаграмма 1"/>
+          <p:cNvGraphicFramePr/>
+          <p:nvPr/>
+        </p:nvGraphicFramePr>
+        <p:xfrm>
+          <a:off x="1285852" y="1857364"/>
+          <a:ext cx="6500858" cy="3143272"/>
+        </p:xfrm>
+        <a:graphic>
+          <a:graphicData uri="http://schemas.openxmlformats.org/drawingml/2006/chart">
+            <c:chart xmlns:c="http://schemas.openxmlformats.org/drawingml/2006/chart" xmlns:r="http://schemas.openxmlformats.org/officeDocument/2006/relationships" r:id="rId2"/>
+          </a:graphicData>
+        </a:graphic>
+      </p:graphicFrame>
     </p:spTree>
   </p:cSld>
   <p:clrMapOvr>
     <a:masterClrMapping/>
   </p:clrMapOvr>
-  <p:timing>
-    <p:tnLst>
-      <p:par>
-        <p:cTn id="1" dur="indefinite" restart="never" nodeType="tmRoot"/>
-      </p:par>
-    </p:tnLst>
-  </p:timing>
 </p:sld>
 </file>
 
@@ -10891,7 +11020,7 @@
           <a:p>
             <a:r>
               <a:rPr lang="ru-RU" dirty="0" smtClean="0"/>
-              <a:t>Перспективы развития проекта</a:t>
+              <a:t>Заключение</a:t>
             </a:r>
             <a:endParaRPr lang="ru-RU" dirty="0"/>
           </a:p>
@@ -10909,50 +11038,87 @@
         </p:nvSpPr>
         <p:spPr>
           <a:xfrm>
-            <a:off x="457200" y="1285860"/>
-            <a:ext cx="8229600" cy="4840303"/>
+            <a:off x="457200" y="928670"/>
+            <a:ext cx="8401080" cy="5197493"/>
           </a:xfrm>
         </p:spPr>
         <p:txBody>
           <a:bodyPr>
-            <a:normAutofit lnSpcReduction="10000"/>
+            <a:normAutofit/>
           </a:bodyPr>
           <a:lstStyle/>
           <a:p>
-            <a:pPr algn="just">
+            <a:pPr>
               <a:buNone/>
             </a:pPr>
             <a:r>
-              <a:rPr lang="ru-RU" sz="2200" dirty="0" smtClean="0"/>
-              <a:t>		В качестве дальнейшего улучшения и развития проекта можно рассмотреть следующие идеи:</a:t>
-            </a:r>
-          </a:p>
-          <a:p>
-            <a:pPr lvl="0" algn="just"/>
-            <a:r>
-              <a:rPr lang="ru-RU" sz="2200" dirty="0" smtClean="0"/>
-              <a:t>расширить набор критериев для отбора множества ортогональных разбиений в ходе декомпозиции автомата, рассмотреть возможность объединения данных критериев в экспертную систему;</a:t>
-            </a:r>
-          </a:p>
-          <a:p>
-            <a:pPr lvl="0" algn="just"/>
-            <a:r>
-              <a:rPr lang="ru-RU" sz="2200" dirty="0" smtClean="0"/>
-              <a:t>рассмотреть варианты оптимизации разработанного алгоритма, с целью улучшения временных характеристик работы сети, полученной в результате декомпозиции;</a:t>
-            </a:r>
-          </a:p>
-          <a:p>
-            <a:pPr lvl="0" algn="just">
+              <a:rPr lang="ru-RU" sz="2400" dirty="0" smtClean="0"/>
+              <a:t>		В результате выполнения квалификационной работы был модифицирован и реализован алгоритм декомпозиции конечных вероятностных автоматов.</a:t>
+            </a:r>
+          </a:p>
+          <a:p>
+            <a:r>
+              <a:rPr lang="ru-RU" sz="2400" dirty="0" smtClean="0"/>
+              <a:t>Для демонстрации работы данного алгоритма было разработано </a:t>
+            </a:r>
+            <a:r>
+              <a:rPr lang="en-US" sz="2400" dirty="0" smtClean="0"/>
+              <a:t>Windows</a:t>
+            </a:r>
+            <a:r>
+              <a:rPr lang="ru-RU" sz="2400" dirty="0" smtClean="0"/>
+              <a:t>-приложение, </a:t>
+            </a:r>
+            <a:r>
+              <a:rPr lang="ru-RU" sz="2400" dirty="0" smtClean="0"/>
+              <a:t>позволяющее;</a:t>
+            </a:r>
+            <a:endParaRPr lang="ru-RU" sz="2400" dirty="0" smtClean="0"/>
+          </a:p>
+          <a:p>
+            <a:pPr lvl="0"/>
+            <a:r>
+              <a:rPr lang="ru-RU" sz="2400" dirty="0" smtClean="0"/>
+              <a:t>инициализировать исходный вероятностный автомат;</a:t>
+            </a:r>
+          </a:p>
+          <a:p>
+            <a:pPr lvl="0"/>
+            <a:r>
+              <a:rPr lang="ru-RU" sz="2400" dirty="0" smtClean="0"/>
+              <a:t>производить декомпозицию заданного автомата;</a:t>
+            </a:r>
+          </a:p>
+          <a:p>
+            <a:pPr lvl="0"/>
+            <a:r>
+              <a:rPr lang="ru-RU" sz="2400" dirty="0" smtClean="0"/>
+              <a:t>моделировать работу, как самого автомата, так и сети, полученной в результате декомпозиции;</a:t>
+            </a:r>
+          </a:p>
+          <a:p>
+            <a:pPr lvl="0"/>
+            <a:r>
+              <a:rPr lang="ru-RU" sz="2400" dirty="0" smtClean="0"/>
+              <a:t>производить импорт и экспорт вероятностного автомата и результирующей сети в формате </a:t>
+            </a:r>
+            <a:r>
+              <a:rPr lang="en-US" sz="2400" dirty="0" smtClean="0"/>
+              <a:t>XML</a:t>
+            </a:r>
+            <a:r>
+              <a:rPr lang="ru-RU" sz="2400" dirty="0" smtClean="0"/>
+              <a:t>.</a:t>
+            </a:r>
+          </a:p>
+          <a:p>
+            <a:pPr lvl="0">
               <a:buNone/>
             </a:pPr>
             <a:r>
-              <a:rPr lang="ru-RU" sz="2200" dirty="0" smtClean="0"/>
-              <a:t>		Логическим продолжением данной квалификационной работы является разработка комплекса анализа дискретных систем, использующего разработанную библиотеку в качестве основного инструмента исследования.</a:t>
-            </a:r>
-          </a:p>
-          <a:p>
-            <a:pPr algn="just"/>
-            <a:endParaRPr lang="ru-RU" sz="2200" dirty="0"/>
+              <a:rPr lang="ru-RU" sz="2400" dirty="0" smtClean="0"/>
+              <a:t>Таким образом, решены основные поставленные задачи.</a:t>
+            </a:r>
           </a:p>
         </p:txBody>
       </p:sp>
@@ -11014,38 +11180,83 @@
       </p:grpSpPr>
       <p:sp>
         <p:nvSpPr>
-          <p:cNvPr id="3" name="Content Placeholder 2"/>
+          <p:cNvPr id="2" name="Заголовок 1"/>
           <p:cNvSpPr>
             <a:spLocks noGrp="1"/>
           </p:cNvSpPr>
           <p:nvPr>
-            <p:ph type="body" idx="4294967295"/>
+            <p:ph type="title"/>
+          </p:nvPr>
+        </p:nvSpPr>
+        <p:spPr/>
+        <p:txBody>
+          <a:bodyPr/>
+          <a:lstStyle/>
+          <a:p>
+            <a:r>
+              <a:rPr lang="ru-RU" dirty="0" smtClean="0"/>
+              <a:t>Перспективы развития проекта</a:t>
+            </a:r>
+            <a:endParaRPr lang="ru-RU" dirty="0"/>
+          </a:p>
+        </p:txBody>
+      </p:sp>
+      <p:sp>
+        <p:nvSpPr>
+          <p:cNvPr id="3" name="Содержимое 2"/>
+          <p:cNvSpPr>
+            <a:spLocks noGrp="1"/>
+          </p:cNvSpPr>
+          <p:nvPr>
+            <p:ph idx="1"/>
           </p:nvPr>
         </p:nvSpPr>
         <p:spPr>
           <a:xfrm>
-            <a:off x="1071538" y="2928934"/>
-            <a:ext cx="7772400" cy="1500187"/>
+            <a:off x="457200" y="1285860"/>
+            <a:ext cx="8229600" cy="4840303"/>
           </a:xfrm>
         </p:spPr>
         <p:txBody>
           <a:bodyPr>
-            <a:normAutofit/>
+            <a:normAutofit lnSpcReduction="10000"/>
           </a:bodyPr>
           <a:lstStyle/>
           <a:p>
-            <a:pPr algn="ctr">
+            <a:pPr algn="just">
               <a:buNone/>
             </a:pPr>
             <a:r>
-              <a:rPr lang="ru-RU" sz="5400" dirty="0" smtClean="0">
-                <a:latin typeface="Calibri" pitchFamily="34" charset="0"/>
-              </a:rPr>
-              <a:t>Благодарю за внимание.</a:t>
-            </a:r>
-            <a:endParaRPr lang="ru-RU" sz="5400" dirty="0">
-              <a:latin typeface="Calibri" pitchFamily="34" charset="0"/>
-            </a:endParaRPr>
+              <a:rPr lang="ru-RU" sz="2200" dirty="0" smtClean="0"/>
+              <a:t>		В качестве дальнейшего улучшения и развития проекта можно рассмотреть следующие идеи:</a:t>
+            </a:r>
+          </a:p>
+          <a:p>
+            <a:pPr lvl="0" algn="just"/>
+            <a:r>
+              <a:rPr lang="ru-RU" sz="2200" dirty="0" smtClean="0"/>
+              <a:t>расширить набор критериев для отбора множества ортогональных разбиений в ходе декомпозиции автомата, рассмотреть возможность объединения данных критериев в экспертную систему;</a:t>
+            </a:r>
+          </a:p>
+          <a:p>
+            <a:pPr lvl="0" algn="just"/>
+            <a:r>
+              <a:rPr lang="ru-RU" sz="2200" dirty="0" smtClean="0"/>
+              <a:t>рассмотреть варианты оптимизации разработанного алгоритма, с целью улучшения временных характеристик работы сети, полученной в результате декомпозиции;</a:t>
+            </a:r>
+          </a:p>
+          <a:p>
+            <a:pPr lvl="0" algn="just">
+              <a:buNone/>
+            </a:pPr>
+            <a:r>
+              <a:rPr lang="ru-RU" sz="2200" dirty="0" smtClean="0"/>
+              <a:t>		Логическим продолжением данной квалификационной работы является разработка комплекса анализа дискретных систем, использующего разработанную библиотеку в качестве основного инструмента исследования.</a:t>
+            </a:r>
+          </a:p>
+          <a:p>
+            <a:pPr algn="just"/>
+            <a:endParaRPr lang="ru-RU" sz="2200" dirty="0"/>
           </a:p>
         </p:txBody>
       </p:sp>
@@ -11068,6 +11279,99 @@
               <a:rPr lang="ru-RU" smtClean="0"/>
               <a:pPr/>
               <a:t>17</a:t>
+            </a:fld>
+            <a:endParaRPr lang="ru-RU"/>
+          </a:p>
+        </p:txBody>
+      </p:sp>
+    </p:spTree>
+  </p:cSld>
+  <p:clrMapOvr>
+    <a:masterClrMapping/>
+  </p:clrMapOvr>
+  <p:timing>
+    <p:tnLst>
+      <p:par>
+        <p:cTn id="1" dur="indefinite" restart="never" nodeType="tmRoot"/>
+      </p:par>
+    </p:tnLst>
+  </p:timing>
+</p:sld>
+</file>
+
+<file path=ppt/slides/slide18.xml><?xml version="1.0" encoding="utf-8"?>
+<p:sld xmlns:a="http://schemas.openxmlformats.org/drawingml/2006/main" xmlns:r="http://schemas.openxmlformats.org/officeDocument/2006/relationships" xmlns:p="http://schemas.openxmlformats.org/presentationml/2006/main">
+  <p:cSld>
+    <p:spTree>
+      <p:nvGrpSpPr>
+        <p:cNvPr id="1" name=""/>
+        <p:cNvGrpSpPr/>
+        <p:nvPr/>
+      </p:nvGrpSpPr>
+      <p:grpSpPr>
+        <a:xfrm>
+          <a:off x="0" y="0"/>
+          <a:ext cx="0" cy="0"/>
+          <a:chOff x="0" y="0"/>
+          <a:chExt cx="0" cy="0"/>
+        </a:xfrm>
+      </p:grpSpPr>
+      <p:sp>
+        <p:nvSpPr>
+          <p:cNvPr id="3" name="Content Placeholder 2"/>
+          <p:cNvSpPr>
+            <a:spLocks noGrp="1"/>
+          </p:cNvSpPr>
+          <p:nvPr>
+            <p:ph type="body" idx="4294967295"/>
+          </p:nvPr>
+        </p:nvSpPr>
+        <p:spPr>
+          <a:xfrm>
+            <a:off x="857224" y="2928934"/>
+            <a:ext cx="7772400" cy="1500187"/>
+          </a:xfrm>
+        </p:spPr>
+        <p:txBody>
+          <a:bodyPr>
+            <a:normAutofit/>
+          </a:bodyPr>
+          <a:lstStyle/>
+          <a:p>
+            <a:pPr algn="ctr">
+              <a:buNone/>
+            </a:pPr>
+            <a:r>
+              <a:rPr lang="ru-RU" sz="5400" dirty="0" smtClean="0">
+                <a:latin typeface="Calibri" pitchFamily="34" charset="0"/>
+              </a:rPr>
+              <a:t>Благодарю за внимание.</a:t>
+            </a:r>
+            <a:endParaRPr lang="ru-RU" sz="5400" dirty="0">
+              <a:latin typeface="Calibri" pitchFamily="34" charset="0"/>
+            </a:endParaRPr>
+          </a:p>
+        </p:txBody>
+      </p:sp>
+      <p:sp>
+        <p:nvSpPr>
+          <p:cNvPr id="4" name="Номер слайда 3"/>
+          <p:cNvSpPr>
+            <a:spLocks noGrp="1"/>
+          </p:cNvSpPr>
+          <p:nvPr>
+            <p:ph type="sldNum" sz="quarter" idx="12"/>
+          </p:nvPr>
+        </p:nvSpPr>
+        <p:spPr/>
+        <p:txBody>
+          <a:bodyPr/>
+          <a:lstStyle/>
+          <a:p>
+            <a:fld id="{C4182372-7F49-4886-AECC-F225F362BA48}" type="slidenum">
+              <a:rPr lang="ru-RU" smtClean="0"/>
+              <a:pPr/>
+              <a:t>18</a:t>
             </a:fld>
             <a:endParaRPr lang="ru-RU"/>
           </a:p>
@@ -11208,11 +11512,7 @@
             <a:pPr lvl="0" algn="just"/>
             <a:r>
               <a:rPr lang="ru-RU" sz="3800" dirty="0" smtClean="0"/>
-              <a:t>модификация </a:t>
-            </a:r>
-            <a:r>
-              <a:rPr lang="ru-RU" sz="3800" dirty="0" smtClean="0"/>
-              <a:t>существующего алгоритма декомпозиции конечных автоматов, с целью получения возможности его применения для вероятностных автоматов;  </a:t>
+              <a:t>модификация существующего алгоритма декомпозиции конечных автоматов, с целью получения возможности его применения для вероятностных автоматов;  </a:t>
             </a:r>
           </a:p>
           <a:p>
@@ -11226,15 +11526,7 @@
             <a:pPr lvl="0" algn="just"/>
             <a:r>
               <a:rPr lang="ru-RU" sz="3800" dirty="0" smtClean="0"/>
-              <a:t>получение </a:t>
-            </a:r>
-            <a:r>
-              <a:rPr lang="ru-RU" sz="3800" dirty="0" smtClean="0"/>
-              <a:t>качественных характеристик </a:t>
-            </a:r>
-            <a:r>
-              <a:rPr lang="ru-RU" sz="3800" dirty="0" smtClean="0"/>
-              <a:t>результирующей сети и исходного автомата.</a:t>
+              <a:t>получение качественных характеристик результирующей сети и исходного автомата.</a:t>
             </a:r>
           </a:p>
         </p:txBody>
@@ -11325,41 +11617,6 @@
           </a:p>
         </p:txBody>
       </p:sp>
-      <p:pic>
-        <p:nvPicPr>
-          <p:cNvPr id="1028" name="Picture 4"/>
-          <p:cNvPicPr>
-            <a:picLocks noGrp="1" noChangeAspect="1" noChangeArrowheads="1"/>
-          </p:cNvPicPr>
-          <p:nvPr>
-            <p:ph idx="1"/>
-          </p:nvPr>
-        </p:nvPicPr>
-        <p:blipFill>
-          <a:blip r:embed="rId2"/>
-          <a:srcRect/>
-          <a:stretch>
-            <a:fillRect/>
-          </a:stretch>
-        </p:blipFill>
-        <p:spPr bwMode="auto">
-          <a:xfrm>
-            <a:off x="2071670" y="1571612"/>
-            <a:ext cx="5208255" cy="4033273"/>
-          </a:xfrm>
-          <a:prstGeom prst="rect">
-            <a:avLst/>
-          </a:prstGeom>
-          <a:noFill/>
-          <a:ln w="9525">
-            <a:noFill/>
-            <a:miter lim="800000"/>
-            <a:headEnd/>
-            <a:tailEnd/>
-          </a:ln>
-          <a:effectLst/>
-        </p:spPr>
-      </p:pic>
       <p:sp>
         <p:nvSpPr>
           <p:cNvPr id="4" name="Content Placeholder 4"/>
@@ -11451,7 +11708,15 @@
             </a:r>
             <a:r>
               <a:rPr lang="ru-RU" sz="3200" dirty="0" smtClean="0"/>
-              <a:t>и с помощью конечных автоматов.</a:t>
+              <a:t>и с помощью </a:t>
+            </a:r>
+            <a:r>
+              <a:rPr lang="ru-RU" sz="3200" dirty="0" smtClean="0"/>
+              <a:t>вероятностных конечных </a:t>
+            </a:r>
+            <a:r>
+              <a:rPr lang="ru-RU" sz="3200" dirty="0" smtClean="0"/>
+              <a:t>автоматов.</a:t>
             </a:r>
             <a:endParaRPr kumimoji="0" lang="ru-RU" sz="3200" b="0" i="0" u="none" strike="noStrike" kern="1200" cap="none" spc="0" normalizeH="0" baseline="0" noProof="0" dirty="0">
               <a:ln>
@@ -11494,6 +11759,40 @@
           </a:p>
         </p:txBody>
       </p:sp>
+      <p:pic>
+        <p:nvPicPr>
+          <p:cNvPr id="3075" name="Picture 3"/>
+          <p:cNvPicPr>
+            <a:picLocks noGrp="1" noChangeAspect="1" noChangeArrowheads="1"/>
+          </p:cNvPicPr>
+          <p:nvPr>
+            <p:ph idx="1"/>
+          </p:nvPr>
+        </p:nvPicPr>
+        <p:blipFill>
+          <a:blip r:embed="rId2"/>
+          <a:srcRect/>
+          <a:stretch>
+            <a:fillRect/>
+          </a:stretch>
+        </p:blipFill>
+        <p:spPr bwMode="auto">
+          <a:xfrm>
+            <a:off x="2071688" y="1838117"/>
+            <a:ext cx="5208587" cy="3500853"/>
+          </a:xfrm>
+          <a:prstGeom prst="rect">
+            <a:avLst/>
+          </a:prstGeom>
+          <a:noFill/>
+          <a:ln w="9525">
+            <a:noFill/>
+            <a:miter lim="800000"/>
+            <a:headEnd/>
+            <a:tailEnd/>
+          </a:ln>
+        </p:spPr>
+      </p:pic>
     </p:spTree>
   </p:cSld>
   <p:clrMapOvr>
@@ -11567,23 +11866,19 @@
         <p:spPr>
           <a:xfrm>
             <a:off x="428596" y="1214423"/>
-            <a:ext cx="8229600" cy="2071701"/>
+            <a:ext cx="8229600" cy="2357453"/>
           </a:xfrm>
         </p:spPr>
         <p:txBody>
           <a:bodyPr>
-            <a:normAutofit fontScale="92500" lnSpcReduction="20000"/>
+            <a:normAutofit fontScale="92500" lnSpcReduction="10000"/>
           </a:bodyPr>
           <a:lstStyle/>
           <a:p>
             <a:pPr algn="just"/>
             <a:r>
               <a:rPr lang="ru-RU" sz="2800" dirty="0" smtClean="0"/>
-              <a:t>Вероятностный </a:t>
-            </a:r>
-            <a:r>
-              <a:rPr lang="ru-RU" sz="2800" dirty="0" smtClean="0"/>
-              <a:t>конечный автомат – это такой конечный автомат, для которого функции переходов и функции выходов соответственно принимают вид </a:t>
+              <a:t>Вероятностный конечный автомат – это такой конечный автомат, для которого функции переходов и функции выходов соответственно принимают вид </a:t>
             </a:r>
             <a:r>
               <a:rPr lang="el-GR" sz="2800" b="1" dirty="0" smtClean="0">
@@ -11708,11 +12003,39 @@
             </a:r>
             <a:r>
               <a:rPr lang="ru-RU" sz="2800" dirty="0" smtClean="0"/>
-              <a:t>, где  случайная величина , определяющая переход</a:t>
+              <a:t>, где  случайная </a:t>
+            </a:r>
+            <a:r>
+              <a:rPr lang="ru-RU" sz="2800" dirty="0" smtClean="0"/>
+              <a:t>величина, </a:t>
+            </a:r>
+            <a:r>
+              <a:rPr lang="ru-RU" sz="2800" dirty="0" smtClean="0"/>
+              <a:t>определяющая переход</a:t>
             </a:r>
             <a:r>
               <a:rPr lang="ru-RU" dirty="0" smtClean="0"/>
-              <a:t>. </a:t>
+              <a:t>.</a:t>
+            </a:r>
+            <a:r>
+              <a:rPr lang="en-US" dirty="0" smtClean="0"/>
+              <a:t> </a:t>
+            </a:r>
+            <a:r>
+              <a:rPr lang="en-US" sz="3500" dirty="0" smtClean="0"/>
+              <a:t>p</a:t>
+            </a:r>
+            <a:r>
+              <a:rPr lang="el-GR" sz="2600" dirty="0" smtClean="0"/>
+              <a:t>ϵ</a:t>
+            </a:r>
+            <a:r>
+              <a:rPr lang="en-US" sz="2600" dirty="0" smtClean="0"/>
+              <a:t>[0;1]</a:t>
+            </a:r>
+            <a:r>
+              <a:rPr lang="ru-RU" dirty="0" smtClean="0"/>
+              <a:t> </a:t>
             </a:r>
             <a:endParaRPr lang="ru-RU" sz="2800" dirty="0" smtClean="0"/>
           </a:p>
@@ -11987,15 +12310,7 @@
             <a:pPr algn="ctr"/>
             <a:r>
               <a:rPr lang="ru-RU" dirty="0" smtClean="0"/>
-              <a:t>В</a:t>
-            </a:r>
-            <a:r>
-              <a:rPr lang="ru-RU" dirty="0" smtClean="0"/>
-              <a:t>ы</a:t>
-            </a:r>
-            <a:r>
-              <a:rPr lang="ru-RU" dirty="0" smtClean="0"/>
-              <a:t>ходной символ </a:t>
+              <a:t>Выходной символ </a:t>
             </a:r>
             <a:r>
               <a:rPr lang="en-US" dirty="0" smtClean="0"/>
@@ -12159,8 +12474,13 @@
             <a:pPr algn="just"/>
             <a:r>
               <a:rPr lang="ru-RU" sz="1600" dirty="0" smtClean="0"/>
-              <a:t>Сеть вероятностных автоматов – это шестёрка</a:t>
-            </a:r>
+              <a:t>Сеть вероятностных автоматов – это </a:t>
+            </a:r>
+            <a:r>
+              <a:rPr lang="ru-RU" sz="1600" dirty="0" smtClean="0"/>
+              <a:t>семёрка</a:t>
+            </a:r>
+            <a:endParaRPr lang="ru-RU" sz="1600" dirty="0" smtClean="0"/>
           </a:p>
           <a:p>
             <a:pPr algn="ctr"/>
@@ -12265,13 +12585,8 @@
             </a:r>
             <a:r>
               <a:rPr lang="ru-RU" sz="1600" dirty="0" smtClean="0"/>
-              <a:t>выходной алфавит </a:t>
-            </a:r>
-            <a:r>
-              <a:rPr lang="ru-RU" sz="1600" dirty="0" smtClean="0"/>
-              <a:t>сети.</a:t>
-            </a:r>
-            <a:endParaRPr lang="ru-RU" sz="1600" dirty="0" smtClean="0"/>
+              <a:t>выходной алфавит сети.</a:t>
+            </a:r>
           </a:p>
           <a:p>
             <a:pPr>
@@ -12356,15 +12671,7 @@
                 <a:ea typeface="Cambria Math" pitchFamily="18" charset="0"/>
                 <a:cs typeface="Times New Roman" pitchFamily="18" charset="0"/>
               </a:rPr>
-              <a:t>G</a:t>
-            </a:r>
-            <a:r>
-              <a:rPr lang="en-US" sz="1600" dirty="0" smtClean="0">
-                <a:latin typeface="Cambria Math" pitchFamily="18" charset="0"/>
-                <a:ea typeface="Cambria Math" pitchFamily="18" charset="0"/>
-                <a:cs typeface="Times New Roman" pitchFamily="18" charset="0"/>
-              </a:rPr>
-              <a:t> </a:t>
+              <a:t>G </a:t>
             </a:r>
             <a:r>
               <a:rPr lang="ru-RU" sz="1600" dirty="0" smtClean="0"/>
@@ -12376,11 +12683,7 @@
             </a:r>
             <a:r>
               <a:rPr lang="ru-RU" sz="1600" dirty="0" smtClean="0"/>
-              <a:t>выходная функция </a:t>
-            </a:r>
-            <a:r>
-              <a:rPr lang="ru-RU" sz="1600" dirty="0" smtClean="0"/>
-              <a:t>сети.</a:t>
+              <a:t>выходная функция сети.</a:t>
             </a:r>
           </a:p>
           <a:p>
@@ -12389,15 +12692,45 @@
             </a:pPr>
             <a:r>
               <a:rPr lang="en-US" sz="1600" dirty="0" smtClean="0"/>
-              <a:t>	</a:t>
+              <a:t>		</a:t>
+            </a:r>
+            <a:r>
+              <a:rPr lang="en-US" sz="2200" dirty="0" smtClean="0"/>
+              <a:t>p</a:t>
             </a:r>
             <a:r>
               <a:rPr lang="en-US" sz="1600" dirty="0" smtClean="0"/>
-              <a:t>	p – </a:t>
+              <a:t> – </a:t>
             </a:r>
             <a:r>
               <a:rPr lang="ru-RU" sz="1600" dirty="0" smtClean="0"/>
-              <a:t>случайная величина</a:t>
+              <a:t>случайная </a:t>
+            </a:r>
+            <a:r>
+              <a:rPr lang="ru-RU" sz="1600" dirty="0" smtClean="0"/>
+              <a:t>величина</a:t>
+            </a:r>
+            <a:r>
+              <a:rPr lang="en-US" sz="1600" dirty="0" smtClean="0"/>
+              <a:t>, </a:t>
+            </a:r>
+            <a:r>
+              <a:rPr lang="en-US" sz="2200" dirty="0" smtClean="0"/>
+              <a:t>p</a:t>
+            </a:r>
+            <a:r>
+              <a:rPr lang="el-GR" sz="1600" dirty="0" smtClean="0">
+                <a:latin typeface="Arial"/>
+                <a:cs typeface="Arial"/>
+              </a:rPr>
+              <a:t>ϵ</a:t>
+            </a:r>
+            <a:r>
+              <a:rPr lang="en-US" sz="1600" dirty="0" smtClean="0">
+                <a:latin typeface="Arial"/>
+                <a:cs typeface="Arial"/>
+              </a:rPr>
+              <a:t>[0;1]</a:t>
             </a:r>
             <a:r>
               <a:rPr lang="ru-RU" sz="1600" dirty="0" smtClean="0"/>
@@ -12670,10 +13003,10 @@
           <a:lstStyle/>
           <a:p>
             <a:r>
-              <a:rPr lang="ru-RU" sz="3200" dirty="0" smtClean="0"/>
+              <a:rPr lang="ru-RU" sz="2800" dirty="0" smtClean="0"/>
               <a:t>Алгоритм декомпозиции вероятностных конечных автоматов</a:t>
             </a:r>
-            <a:endParaRPr lang="ru-RU" sz="3200" dirty="0"/>
+            <a:endParaRPr lang="ru-RU" sz="2800" dirty="0"/>
           </a:p>
         </p:txBody>
       </p:sp>
@@ -12710,9 +13043,33 @@
           </a:p>
         </p:txBody>
       </p:sp>
+      <p:sp>
+        <p:nvSpPr>
+          <p:cNvPr id="6" name="Номер слайда 5"/>
+          <p:cNvSpPr>
+            <a:spLocks noGrp="1"/>
+          </p:cNvSpPr>
+          <p:nvPr>
+            <p:ph type="sldNum" sz="quarter" idx="12"/>
+          </p:nvPr>
+        </p:nvSpPr>
+        <p:spPr/>
+        <p:txBody>
+          <a:bodyPr/>
+          <a:lstStyle/>
+          <a:p>
+            <a:fld id="{C4182372-7F49-4886-AECC-F225F362BA48}" type="slidenum">
+              <a:rPr lang="ru-RU" smtClean="0"/>
+              <a:pPr/>
+              <a:t>6</a:t>
+            </a:fld>
+            <a:endParaRPr lang="ru-RU"/>
+          </a:p>
+        </p:txBody>
+      </p:sp>
       <p:pic>
         <p:nvPicPr>
-          <p:cNvPr id="1032" name="Picture 8"/>
+          <p:cNvPr id="1026" name="Picture 2"/>
           <p:cNvPicPr>
             <a:picLocks noChangeAspect="1" noChangeArrowheads="1"/>
           </p:cNvPicPr>
@@ -12727,8 +13084,8 @@
         </p:blipFill>
         <p:spPr bwMode="auto">
           <a:xfrm>
-            <a:off x="1714480" y="1428736"/>
-            <a:ext cx="5667375" cy="4143375"/>
+            <a:off x="1785918" y="1142984"/>
+            <a:ext cx="5667375" cy="4991100"/>
           </a:xfrm>
           <a:prstGeom prst="rect">
             <a:avLst/>
@@ -12742,30 +13099,6 @@
           </a:ln>
         </p:spPr>
       </p:pic>
-      <p:sp>
-        <p:nvSpPr>
-          <p:cNvPr id="6" name="Номер слайда 5"/>
-          <p:cNvSpPr>
-            <a:spLocks noGrp="1"/>
-          </p:cNvSpPr>
-          <p:nvPr>
-            <p:ph type="sldNum" sz="quarter" idx="12"/>
-          </p:nvPr>
-        </p:nvSpPr>
-        <p:spPr/>
-        <p:txBody>
-          <a:bodyPr/>
-          <a:lstStyle/>
-          <a:p>
-            <a:fld id="{C4182372-7F49-4886-AECC-F225F362BA48}" type="slidenum">
-              <a:rPr lang="ru-RU" smtClean="0"/>
-              <a:pPr/>
-              <a:t>6</a:t>
-            </a:fld>
-            <a:endParaRPr lang="ru-RU"/>
-          </a:p>
-        </p:txBody>
-      </p:sp>
     </p:spTree>
   </p:cSld>
   <p:clrMapOvr>
@@ -12834,7 +13167,7 @@
         <p:spPr>
           <a:xfrm>
             <a:off x="428596" y="1071546"/>
-            <a:ext cx="8229600" cy="4816477"/>
+            <a:ext cx="8229600" cy="4857784"/>
           </a:xfrm>
         </p:spPr>
         <p:txBody>
@@ -12846,46 +13179,135 @@
             </a:pPr>
             <a:r>
               <a:rPr lang="ru-RU" sz="2400" dirty="0" smtClean="0"/>
-              <a:t>		Множество ортогональных разбиений – это множество разбиений, при перемножении которых получается тривиальное разбиение.</a:t>
-            </a:r>
+              <a:t>		</a:t>
+            </a:r>
+            <a:r>
+              <a:rPr lang="ru-RU" dirty="0" smtClean="0"/>
+              <a:t>Множество ортогональных разбиений – это множество разбиений, при перемножении которых получается тривиальное разбиение</a:t>
+            </a:r>
+            <a:r>
+              <a:rPr lang="ru-RU" dirty="0" smtClean="0"/>
+              <a:t>.</a:t>
+            </a:r>
+            <a:endParaRPr lang="en-US" dirty="0" smtClean="0"/>
           </a:p>
           <a:p>
             <a:pPr algn="just">
               <a:buNone/>
             </a:pPr>
-            <a:endParaRPr lang="ru-RU" sz="2400" dirty="0" smtClean="0"/>
+            <a:endParaRPr lang="en-US" sz="2400" dirty="0" smtClean="0"/>
           </a:p>
           <a:p>
             <a:pPr algn="just">
               <a:buNone/>
             </a:pPr>
-            <a:endParaRPr lang="ru-RU" sz="2400" dirty="0" smtClean="0"/>
+            <a:endParaRPr lang="en-US" sz="2400" dirty="0" smtClean="0"/>
           </a:p>
           <a:p>
             <a:pPr algn="just">
               <a:buNone/>
             </a:pPr>
-            <a:r>
-              <a:rPr lang="ru-RU" sz="2400" dirty="0" smtClean="0"/>
-              <a:t>				</a:t>
-            </a:r>
-            <a:r>
-              <a:rPr lang="en-US" sz="2400" dirty="0" smtClean="0"/>
-              <a:t>{</a:t>
-            </a:r>
-            <a:r>
-              <a:rPr lang="ru-RU" sz="2400" dirty="0" smtClean="0"/>
-              <a:t>страшные формулы</a:t>
-            </a:r>
-            <a:r>
-              <a:rPr lang="en-US" sz="2400" dirty="0" smtClean="0"/>
-              <a:t>}</a:t>
-            </a:r>
-            <a:r>
-              <a:rPr lang="ru-RU" sz="2400" dirty="0" smtClean="0"/>
+            <a:endParaRPr lang="en-US" sz="2400" dirty="0" smtClean="0"/>
+          </a:p>
+          <a:p>
+            <a:pPr algn="just">
+              <a:buNone/>
+            </a:pPr>
+            <a:endParaRPr lang="en-US" sz="2400" dirty="0" smtClean="0"/>
+          </a:p>
+          <a:p>
+            <a:pPr algn="ctr">
+              <a:buNone/>
+            </a:pPr>
+            <a:r>
+              <a:rPr lang="ru-RU" sz="3600" dirty="0" err="1" smtClean="0">
+                <a:latin typeface="Cambria Math" pitchFamily="18" charset="0"/>
+                <a:ea typeface="Cambria Math" pitchFamily="18" charset="0"/>
+                <a:cs typeface="Arial"/>
+              </a:rPr>
+              <a:t>π</a:t>
+            </a:r>
+            <a:r>
+              <a:rPr lang="ru-RU" sz="3600" dirty="0" smtClean="0">
+                <a:latin typeface="Cambria Math" pitchFamily="18" charset="0"/>
+                <a:ea typeface="Cambria Math" pitchFamily="18" charset="0"/>
+              </a:rPr>
               <a:t>	</a:t>
             </a:r>
-            <a:endParaRPr lang="ru-RU" sz="2400" dirty="0" smtClean="0"/>
+            <a:r>
+              <a:rPr lang="en-US" sz="3600" dirty="0" smtClean="0">
+                <a:latin typeface="Cambria Math" pitchFamily="18" charset="0"/>
+                <a:ea typeface="Cambria Math" pitchFamily="18" charset="0"/>
+              </a:rPr>
+              <a:t>(0) = {a</a:t>
+            </a:r>
+            <a:r>
+              <a:rPr lang="en-US" sz="2000" dirty="0" smtClean="0">
+                <a:latin typeface="Cambria Math" pitchFamily="18" charset="0"/>
+                <a:ea typeface="Cambria Math" pitchFamily="18" charset="0"/>
+              </a:rPr>
+              <a:t>1</a:t>
+            </a:r>
+            <a:r>
+              <a:rPr lang="en-US" sz="3600" dirty="0" smtClean="0">
+                <a:latin typeface="Cambria Math" pitchFamily="18" charset="0"/>
+                <a:ea typeface="Cambria Math" pitchFamily="18" charset="0"/>
+              </a:rPr>
+              <a:t>; </a:t>
+            </a:r>
+            <a:r>
+              <a:rPr lang="en-US" sz="3600" dirty="0" smtClean="0">
+                <a:latin typeface="Cambria Math" pitchFamily="18" charset="0"/>
+                <a:ea typeface="Cambria Math" pitchFamily="18" charset="0"/>
+              </a:rPr>
+              <a:t>a</a:t>
+            </a:r>
+            <a:r>
+              <a:rPr lang="en-US" sz="2000" dirty="0" smtClean="0">
+                <a:latin typeface="Cambria Math" pitchFamily="18" charset="0"/>
+                <a:ea typeface="Cambria Math" pitchFamily="18" charset="0"/>
+              </a:rPr>
+              <a:t>2</a:t>
+            </a:r>
+            <a:r>
+              <a:rPr lang="en-US" sz="3600" dirty="0" smtClean="0">
+                <a:latin typeface="Cambria Math" pitchFamily="18" charset="0"/>
+                <a:ea typeface="Cambria Math" pitchFamily="18" charset="0"/>
+              </a:rPr>
+              <a:t>; …</a:t>
+            </a:r>
+            <a:r>
+              <a:rPr lang="en-US" sz="3600" dirty="0" smtClean="0">
+                <a:latin typeface="Cambria Math" pitchFamily="18" charset="0"/>
+                <a:ea typeface="Cambria Math" pitchFamily="18" charset="0"/>
+              </a:rPr>
+              <a:t> </a:t>
+            </a:r>
+            <a:r>
+              <a:rPr lang="en-US" sz="3600" dirty="0" smtClean="0">
+                <a:latin typeface="Cambria Math" pitchFamily="18" charset="0"/>
+                <a:ea typeface="Cambria Math" pitchFamily="18" charset="0"/>
+              </a:rPr>
+              <a:t>a</a:t>
+            </a:r>
+            <a:r>
+              <a:rPr lang="en-US" sz="2000" dirty="0" smtClean="0">
+                <a:latin typeface="Cambria Math" pitchFamily="18" charset="0"/>
+                <a:ea typeface="Cambria Math" pitchFamily="18" charset="0"/>
+              </a:rPr>
+              <a:t>n</a:t>
+            </a:r>
+            <a:r>
+              <a:rPr lang="en-US" sz="3600" dirty="0" smtClean="0">
+                <a:latin typeface="Cambria Math" pitchFamily="18" charset="0"/>
+                <a:ea typeface="Cambria Math" pitchFamily="18" charset="0"/>
+              </a:rPr>
+              <a:t>;}</a:t>
+            </a:r>
+            <a:endParaRPr lang="ru-RU" sz="3600" dirty="0" smtClean="0">
+              <a:latin typeface="Cambria Math" pitchFamily="18" charset="0"/>
+              <a:ea typeface="Cambria Math" pitchFamily="18" charset="0"/>
+            </a:endParaRPr>
           </a:p>
         </p:txBody>
       </p:sp>
@@ -12913,6 +13335,38 @@
           </a:p>
         </p:txBody>
       </p:sp>
+      <p:pic>
+        <p:nvPicPr>
+          <p:cNvPr id="2051" name="Picture 3"/>
+          <p:cNvPicPr>
+            <a:picLocks noChangeAspect="1" noChangeArrowheads="1"/>
+          </p:cNvPicPr>
+          <p:nvPr/>
+        </p:nvPicPr>
+        <p:blipFill>
+          <a:blip r:embed="rId2"/>
+          <a:srcRect/>
+          <a:stretch>
+            <a:fillRect/>
+          </a:stretch>
+        </p:blipFill>
+        <p:spPr bwMode="auto">
+          <a:xfrm>
+            <a:off x="3071802" y="3500438"/>
+            <a:ext cx="3009900" cy="628650"/>
+          </a:xfrm>
+          <a:prstGeom prst="rect">
+            <a:avLst/>
+          </a:prstGeom>
+          <a:noFill/>
+          <a:ln w="9525">
+            <a:noFill/>
+            <a:miter lim="800000"/>
+            <a:headEnd/>
+            <a:tailEnd/>
+          </a:ln>
+        </p:spPr>
+      </p:pic>
     </p:spTree>
   </p:cSld>
   <p:clrMapOvr>
@@ -13140,15 +13594,15 @@
         </p:nvPicPr>
         <p:blipFill>
           <a:blip r:embed="rId2"/>
-          <a:srcRect/>
+          <a:srcRect r="20964"/>
           <a:stretch>
             <a:fillRect/>
           </a:stretch>
         </p:blipFill>
         <p:spPr bwMode="auto">
           <a:xfrm>
-            <a:off x="2571736" y="1571612"/>
-            <a:ext cx="4248150" cy="1257300"/>
+            <a:off x="2786050" y="1571612"/>
+            <a:ext cx="3357586" cy="1257300"/>
           </a:xfrm>
           <a:prstGeom prst="rect">
             <a:avLst/>
@@ -13253,8 +13707,8 @@
         </p:nvSpPr>
         <p:spPr>
           <a:xfrm>
-            <a:off x="571472" y="6227776"/>
-            <a:ext cx="8229600" cy="630224"/>
+            <a:off x="428596" y="4857760"/>
+            <a:ext cx="8229600" cy="1130290"/>
           </a:xfrm>
         </p:spPr>
         <p:txBody>
@@ -13266,46 +13720,12 @@
             </a:pPr>
             <a:r>
               <a:rPr lang="ru-RU" sz="2000" dirty="0" smtClean="0"/>
-              <a:t>Сократить и </a:t>
-            </a:r>
-            <a:r>
-              <a:rPr lang="ru-RU" sz="2000" dirty="0" err="1" smtClean="0"/>
-              <a:t>руссифицировать</a:t>
+              <a:t> </a:t>
             </a:r>
             <a:endParaRPr lang="ru-RU" sz="2000" dirty="0"/>
           </a:p>
         </p:txBody>
       </p:sp>
-      <p:pic>
-        <p:nvPicPr>
-          <p:cNvPr id="4" name="Picture 16"/>
-          <p:cNvPicPr/>
-          <p:nvPr/>
-        </p:nvPicPr>
-        <p:blipFill>
-          <a:blip r:embed="rId2" cstate="print"/>
-          <a:srcRect b="6711"/>
-          <a:stretch>
-            <a:fillRect/>
-          </a:stretch>
-        </p:blipFill>
-        <p:spPr bwMode="auto">
-          <a:xfrm>
-            <a:off x="1000100" y="1071546"/>
-            <a:ext cx="7072362" cy="4714908"/>
-          </a:xfrm>
-          <a:prstGeom prst="rect">
-            <a:avLst/>
-          </a:prstGeom>
-          <a:noFill/>
-          <a:ln w="9525">
-            <a:noFill/>
-            <a:miter lim="800000"/>
-            <a:headEnd/>
-            <a:tailEnd/>
-          </a:ln>
-        </p:spPr>
-      </p:pic>
       <p:sp>
         <p:nvSpPr>
           <p:cNvPr id="5" name="Номер слайда 4"/>
@@ -13330,6 +13750,38 @@
           </a:p>
         </p:txBody>
       </p:sp>
+      <p:pic>
+        <p:nvPicPr>
+          <p:cNvPr id="4101" name="Picture 5"/>
+          <p:cNvPicPr>
+            <a:picLocks noChangeAspect="1" noChangeArrowheads="1"/>
+          </p:cNvPicPr>
+          <p:nvPr/>
+        </p:nvPicPr>
+        <p:blipFill>
+          <a:blip r:embed="rId2"/>
+          <a:srcRect/>
+          <a:stretch>
+            <a:fillRect/>
+          </a:stretch>
+        </p:blipFill>
+        <p:spPr bwMode="auto">
+          <a:xfrm>
+            <a:off x="1928794" y="1571612"/>
+            <a:ext cx="5381625" cy="2914650"/>
+          </a:xfrm>
+          <a:prstGeom prst="rect">
+            <a:avLst/>
+          </a:prstGeom>
+          <a:noFill/>
+          <a:ln w="9525">
+            <a:noFill/>
+            <a:miter lim="800000"/>
+            <a:headEnd/>
+            <a:tailEnd/>
+          </a:ln>
+        </p:spPr>
+      </p:pic>
     </p:spTree>
   </p:cSld>
   <p:clrMapOvr>
